--- a/bme844_adv_ultrasound/hw7_ppt_final.pptx
+++ b/bme844_adv_ultrasound/hw7_ppt_final.pptx
@@ -4469,16 +4469,28 @@
           </a:p>
           <a:p>
             <a:r>
-              <a:rPr lang="en-US" dirty="0" smtClean="0"/>
-              <a:t>Size of </a:t>
-            </a:r>
-            <a:r>
               <a:rPr lang="en-US" dirty="0" err="1" smtClean="0"/>
-              <a:t>scatterers</a:t>
-            </a:r>
-            <a:r>
-              <a:rPr lang="en-US" dirty="0" smtClean="0"/>
-              <a:t> or ESD between these extremes can be inferred from spectrum of backscattered echoes</a:t>
+              <a:t>Scatterer</a:t>
+            </a:r>
+            <a:r>
+              <a:rPr lang="en-US" dirty="0" smtClean="0"/>
+              <a:t> sizes between these </a:t>
+            </a:r>
+            <a:r>
+              <a:rPr lang="en-US" dirty="0" err="1" smtClean="0"/>
+              <a:t>extrema</a:t>
+            </a:r>
+            <a:r>
+              <a:rPr lang="en-US" dirty="0" smtClean="0"/>
+              <a:t> can be inferred from the </a:t>
+            </a:r>
+            <a:r>
+              <a:rPr lang="en-US" dirty="0" smtClean="0"/>
+              <a:t>power </a:t>
+            </a:r>
+            <a:r>
+              <a:rPr lang="en-US" dirty="0" smtClean="0"/>
+              <a:t>spectra of backscattered echoes</a:t>
             </a:r>
           </a:p>
           <a:p>

--- a/bme844_adv_ultrasound/hw7_ppt_final.pptx
+++ b/bme844_adv_ultrasound/hw7_ppt_final.pptx
@@ -200,7 +200,7 @@
           <a:p>
             <a:fld id="{56C465EA-FFD5-974F-A779-0ABECD415624}" type="datetimeFigureOut">
               <a:rPr lang="en-US" smtClean="0"/>
-              <a:t>2/24/15</a:t>
+              <a:t>3/4/15</a:t>
             </a:fld>
             <a:endParaRPr lang="en-US"/>
           </a:p>
@@ -514,19 +514,15 @@
           <a:p>
             <a:r>
               <a:rPr lang="en-US" dirty="0" smtClean="0"/>
-              <a:t>Calibration</a:t>
-            </a:r>
-            <a:r>
-              <a:rPr lang="en-US" baseline="0" dirty="0" smtClean="0"/>
-              <a:t> stage consists of a flat interface and serves to eliminate normalize out the frequency dependence of </a:t>
-            </a:r>
-            <a:r>
-              <a:rPr lang="en-US" baseline="0" dirty="0" err="1" smtClean="0"/>
-              <a:t>tdr</a:t>
-            </a:r>
-            <a:r>
-              <a:rPr lang="en-US" baseline="0" dirty="0" smtClean="0"/>
-              <a:t> and electronic components</a:t>
+              <a:t>A is the </a:t>
+            </a:r>
+            <a:r>
+              <a:rPr lang="en-US" dirty="0" err="1" smtClean="0"/>
+              <a:t>scatterer</a:t>
+            </a:r>
+            <a:r>
+              <a:rPr lang="en-US" dirty="0" smtClean="0"/>
+              <a:t> diameter</a:t>
             </a:r>
             <a:endParaRPr lang="en-US" dirty="0"/>
           </a:p>
@@ -549,7 +545,7 @@
           <a:p>
             <a:fld id="{FDCFF1E4-0441-2444-8BA5-9094282EA092}" type="slidenum">
               <a:rPr lang="en-US" smtClean="0"/>
-              <a:t>3</a:t>
+              <a:t>2</a:t>
             </a:fld>
             <a:endParaRPr lang="en-US"/>
           </a:p>
@@ -558,7 +554,7 @@
     </p:spTree>
     <p:extLst>
       <p:ext uri="{BB962C8B-B14F-4D97-AF65-F5344CB8AC3E}">
-        <p14:creationId xmlns:p14="http://schemas.microsoft.com/office/powerpoint/2010/main" val="772696663"/>
+        <p14:creationId xmlns:p14="http://schemas.microsoft.com/office/powerpoint/2010/main" val="729473241"/>
       </p:ext>
     </p:extLst>
   </p:cSld>
@@ -614,65 +610,19 @@
           <a:p>
             <a:r>
               <a:rPr lang="en-US" dirty="0" smtClean="0"/>
-              <a:t>Form factor</a:t>
+              <a:t>Calibration</a:t>
             </a:r>
             <a:r>
               <a:rPr lang="en-US" baseline="0" dirty="0" smtClean="0"/>
-              <a:t> models derived to relate </a:t>
+              <a:t> stage consists of a flat interface and serves to eliminate normalize out the frequency dependence of </a:t>
             </a:r>
             <a:r>
               <a:rPr lang="en-US" baseline="0" dirty="0" err="1" smtClean="0"/>
-              <a:t>scatterer</a:t>
+              <a:t>tdr</a:t>
             </a:r>
             <a:r>
               <a:rPr lang="en-US" baseline="0" dirty="0" smtClean="0"/>
-              <a:t> size to the observed power spectrum</a:t>
-            </a:r>
-          </a:p>
-          <a:p>
-            <a:pPr marL="0" marR="0" lvl="1" indent="0" algn="l" defTabSz="457200" rtl="0" eaLnBrk="1" fontAlgn="auto" latinLnBrk="0" hangingPunct="1">
-              <a:lnSpc>
-                <a:spcPct val="100000"/>
-              </a:lnSpc>
-              <a:spcBef>
-                <a:spcPts val="0"/>
-              </a:spcBef>
-              <a:spcAft>
-                <a:spcPts val="0"/>
-              </a:spcAft>
-              <a:buClrTx/>
-              <a:buSzTx/>
-              <a:buFontTx/>
-              <a:buNone/>
-              <a:tabLst/>
-              <a:defRPr/>
-            </a:pPr>
-            <a:r>
-              <a:rPr lang="en-US" dirty="0" smtClean="0"/>
-              <a:t>Form</a:t>
-            </a:r>
-            <a:r>
-              <a:rPr lang="en-US" baseline="0" dirty="0" smtClean="0"/>
-              <a:t> factor is p</a:t>
-            </a:r>
-            <a:r>
-              <a:rPr lang="en-US" dirty="0" smtClean="0"/>
-              <a:t>roportional to FT of autocorrelation function i.e. power spectrum</a:t>
-            </a:r>
-            <a:r>
-              <a:rPr lang="en-US" baseline="0" dirty="0" smtClean="0"/>
-              <a:t> for WSS process</a:t>
-            </a:r>
-            <a:endParaRPr lang="en-US" dirty="0" smtClean="0"/>
-          </a:p>
-          <a:p>
-            <a:r>
-              <a:rPr lang="en-US" dirty="0" smtClean="0"/>
-              <a:t>Gaussian</a:t>
-            </a:r>
-            <a:r>
-              <a:rPr lang="en-US" baseline="0" dirty="0" smtClean="0"/>
-              <a:t> describes spheres whose acoustic impedance vary continuously </a:t>
+              <a:t> and electronic components</a:t>
             </a:r>
             <a:endParaRPr lang="en-US" dirty="0"/>
           </a:p>
@@ -695,7 +645,7 @@
           <a:p>
             <a:fld id="{FDCFF1E4-0441-2444-8BA5-9094282EA092}" type="slidenum">
               <a:rPr lang="en-US" smtClean="0"/>
-              <a:t>4</a:t>
+              <a:t>3</a:t>
             </a:fld>
             <a:endParaRPr lang="en-US"/>
           </a:p>
@@ -704,7 +654,7 @@
     </p:spTree>
     <p:extLst>
       <p:ext uri="{BB962C8B-B14F-4D97-AF65-F5344CB8AC3E}">
-        <p14:creationId xmlns:p14="http://schemas.microsoft.com/office/powerpoint/2010/main" val="3629430612"/>
+        <p14:creationId xmlns:p14="http://schemas.microsoft.com/office/powerpoint/2010/main" val="772696663"/>
       </p:ext>
     </p:extLst>
   </p:cSld>
@@ -758,6 +708,24 @@
           <a:bodyPr/>
           <a:lstStyle/>
           <a:p>
+            <a:r>
+              <a:rPr lang="en-US" dirty="0" smtClean="0"/>
+              <a:t>Form factor</a:t>
+            </a:r>
+            <a:r>
+              <a:rPr lang="en-US" baseline="0" dirty="0" smtClean="0"/>
+              <a:t> models derived to relate </a:t>
+            </a:r>
+            <a:r>
+              <a:rPr lang="en-US" baseline="0" dirty="0" err="1" smtClean="0"/>
+              <a:t>scatterer</a:t>
+            </a:r>
+            <a:r>
+              <a:rPr lang="en-US" baseline="0" dirty="0" smtClean="0"/>
+              <a:t> size to the observed power spectrum</a:t>
+            </a:r>
+          </a:p>
+          <a:p>
             <a:pPr marL="0" marR="0" lvl="1" indent="0" algn="l" defTabSz="457200" rtl="0" eaLnBrk="1" fontAlgn="auto" latinLnBrk="0" hangingPunct="1">
               <a:lnSpc>
                 <a:spcPct val="100000"/>
@@ -777,109 +745,30 @@
             </a:pPr>
             <a:r>
               <a:rPr lang="en-US" dirty="0" smtClean="0"/>
-              <a:t>Single </a:t>
-            </a:r>
-            <a:r>
-              <a:rPr lang="en-US" dirty="0" err="1" smtClean="0"/>
-              <a:t>scatterer</a:t>
-            </a:r>
-            <a:r>
-              <a:rPr lang="en-US" dirty="0" smtClean="0"/>
-              <a:t> size may not offer enough insight into structure</a:t>
-            </a:r>
-          </a:p>
-          <a:p>
-            <a:pPr marL="0" marR="0" lvl="1" indent="0" algn="l" defTabSz="457200" rtl="0" eaLnBrk="1" fontAlgn="auto" latinLnBrk="0" hangingPunct="1">
-              <a:lnSpc>
-                <a:spcPct val="100000"/>
-              </a:lnSpc>
-              <a:spcBef>
-                <a:spcPts val="0"/>
-              </a:spcBef>
-              <a:spcAft>
-                <a:spcPts val="0"/>
-              </a:spcAft>
-              <a:buClrTx/>
-              <a:buSzTx/>
-              <a:buFontTx/>
-              <a:buNone/>
-              <a:tabLst/>
-              <a:defRPr/>
-            </a:pPr>
-            <a:r>
-              <a:rPr lang="en-US" dirty="0" smtClean="0"/>
-              <a:t>Accuracy</a:t>
+              <a:t>Form</a:t>
             </a:r>
             <a:r>
               <a:rPr lang="en-US" baseline="0" dirty="0" smtClean="0"/>
-              <a:t> diminishes when </a:t>
-            </a:r>
-            <a:r>
-              <a:rPr lang="en-US" baseline="0" dirty="0" err="1" smtClean="0"/>
-              <a:t>scatterer</a:t>
+              <a:t> factor is p</a:t>
+            </a:r>
+            <a:r>
+              <a:rPr lang="en-US" dirty="0" smtClean="0"/>
+              <a:t>roportional to FT of autocorrelation function i.e. power spectrum</a:t>
             </a:r>
             <a:r>
               <a:rPr lang="en-US" baseline="0" dirty="0" smtClean="0"/>
-              <a:t> size is more distributed</a:t>
+              <a:t> for WSS process</a:t>
             </a:r>
             <a:endParaRPr lang="en-US" dirty="0" smtClean="0"/>
           </a:p>
           <a:p>
-            <a:pPr marL="0" marR="0" lvl="1" indent="0" algn="l" defTabSz="457200" rtl="0" eaLnBrk="1" fontAlgn="auto" latinLnBrk="0" hangingPunct="1">
-              <a:lnSpc>
-                <a:spcPct val="100000"/>
-              </a:lnSpc>
-              <a:spcBef>
-                <a:spcPts val="0"/>
-              </a:spcBef>
-              <a:spcAft>
-                <a:spcPts val="0"/>
-              </a:spcAft>
-              <a:buClrTx/>
-              <a:buSzTx/>
-              <a:buFontTx/>
-              <a:buNone/>
-              <a:tabLst/>
-              <a:defRPr/>
-            </a:pPr>
-            <a:r>
-              <a:rPr lang="en-US" dirty="0" smtClean="0"/>
-              <a:t>Frequency</a:t>
+            <a:r>
+              <a:rPr lang="en-US" dirty="0" smtClean="0"/>
+              <a:t>Gaussian</a:t>
             </a:r>
             <a:r>
               <a:rPr lang="en-US" baseline="0" dirty="0" smtClean="0"/>
-              <a:t> changes may also be attributed to </a:t>
-            </a:r>
-            <a:r>
-              <a:rPr lang="en-US" baseline="0" dirty="0" err="1" smtClean="0"/>
-              <a:t>scatterer</a:t>
-            </a:r>
-            <a:r>
-              <a:rPr lang="en-US" baseline="0" dirty="0" smtClean="0"/>
-              <a:t> shape, elasticity, orientation</a:t>
-            </a:r>
-          </a:p>
-          <a:p>
-            <a:pPr marL="0" marR="0" lvl="1" indent="0" algn="l" defTabSz="457200" rtl="0" eaLnBrk="1" fontAlgn="auto" latinLnBrk="0" hangingPunct="1">
-              <a:lnSpc>
-                <a:spcPct val="100000"/>
-              </a:lnSpc>
-              <a:spcBef>
-                <a:spcPts val="0"/>
-              </a:spcBef>
-              <a:spcAft>
-                <a:spcPts val="0"/>
-              </a:spcAft>
-              <a:buClrTx/>
-              <a:buSzTx/>
-              <a:buFontTx/>
-              <a:buNone/>
-              <a:tabLst/>
-              <a:defRPr/>
-            </a:pPr>
-            <a:r>
-              <a:rPr lang="en-US" baseline="0" dirty="0" smtClean="0"/>
-              <a:t>Different tissues are modeled better by specific form factors</a:t>
+              <a:t> describes spheres whose acoustic impedance vary continuously </a:t>
             </a:r>
             <a:endParaRPr lang="en-US" dirty="0"/>
           </a:p>
@@ -902,7 +791,7 @@
           <a:p>
             <a:fld id="{FDCFF1E4-0441-2444-8BA5-9094282EA092}" type="slidenum">
               <a:rPr lang="en-US" smtClean="0"/>
-              <a:t>5</a:t>
+              <a:t>4</a:t>
             </a:fld>
             <a:endParaRPr lang="en-US"/>
           </a:p>
@@ -911,7 +800,7 @@
     </p:spTree>
     <p:extLst>
       <p:ext uri="{BB962C8B-B14F-4D97-AF65-F5344CB8AC3E}">
-        <p14:creationId xmlns:p14="http://schemas.microsoft.com/office/powerpoint/2010/main" val="3313216338"/>
+        <p14:creationId xmlns:p14="http://schemas.microsoft.com/office/powerpoint/2010/main" val="3629430612"/>
       </p:ext>
     </p:extLst>
   </p:cSld>
@@ -984,7 +873,7 @@
             </a:pPr>
             <a:r>
               <a:rPr lang="en-US" dirty="0" smtClean="0"/>
-              <a:t>How well different form factors fit provide insight into </a:t>
+              <a:t>Single </a:t>
             </a:r>
             <a:r>
               <a:rPr lang="en-US" dirty="0" err="1" smtClean="0"/>
@@ -992,36 +881,103 @@
             </a:r>
             <a:r>
               <a:rPr lang="en-US" dirty="0" smtClean="0"/>
-              <a:t> distribution in ROI</a:t>
-            </a:r>
-          </a:p>
-          <a:p>
+              <a:t> size may not offer enough insight into structure</a:t>
+            </a:r>
+          </a:p>
+          <a:p>
+            <a:pPr marL="0" marR="0" lvl="1" indent="0" algn="l" defTabSz="457200" rtl="0" eaLnBrk="1" fontAlgn="auto" latinLnBrk="0" hangingPunct="1">
+              <a:lnSpc>
+                <a:spcPct val="100000"/>
+              </a:lnSpc>
+              <a:spcBef>
+                <a:spcPts val="0"/>
+              </a:spcBef>
+              <a:spcAft>
+                <a:spcPts val="0"/>
+              </a:spcAft>
+              <a:buClrTx/>
+              <a:buSzTx/>
+              <a:buFontTx/>
+              <a:buNone/>
+              <a:tabLst/>
+              <a:defRPr/>
+            </a:pPr>
+            <a:r>
+              <a:rPr lang="en-US" dirty="0" smtClean="0"/>
+              <a:t>Accuracy</a:t>
+            </a:r>
+            <a:r>
+              <a:rPr lang="en-US" baseline="0" dirty="0" smtClean="0"/>
+              <a:t> diminishes when </a:t>
+            </a:r>
+            <a:r>
+              <a:rPr lang="en-US" baseline="0" dirty="0" err="1" smtClean="0"/>
+              <a:t>scatterer</a:t>
+            </a:r>
+            <a:r>
+              <a:rPr lang="en-US" baseline="0" dirty="0" smtClean="0"/>
+              <a:t> size is more distributed</a:t>
+            </a:r>
             <a:endParaRPr lang="en-US" dirty="0" smtClean="0"/>
           </a:p>
           <a:p>
-            <a:r>
-              <a:rPr lang="en-US" dirty="0" smtClean="0"/>
-              <a:t>Difficulty </a:t>
-            </a:r>
-            <a:r>
-              <a:rPr lang="en-US" dirty="0" err="1" smtClean="0"/>
-              <a:t>transfering</a:t>
-            </a:r>
-            <a:r>
-              <a:rPr lang="en-US" dirty="0" smtClean="0"/>
-              <a:t> </a:t>
-            </a:r>
-          </a:p>
-          <a:p>
-            <a:r>
-              <a:rPr lang="en-US" dirty="0" smtClean="0"/>
-              <a:t>ESD</a:t>
+            <a:pPr marL="0" marR="0" lvl="1" indent="0" algn="l" defTabSz="457200" rtl="0" eaLnBrk="1" fontAlgn="auto" latinLnBrk="0" hangingPunct="1">
+              <a:lnSpc>
+                <a:spcPct val="100000"/>
+              </a:lnSpc>
+              <a:spcBef>
+                <a:spcPts val="0"/>
+              </a:spcBef>
+              <a:spcAft>
+                <a:spcPts val="0"/>
+              </a:spcAft>
+              <a:buClrTx/>
+              <a:buSzTx/>
+              <a:buFontTx/>
+              <a:buNone/>
+              <a:tabLst/>
+              <a:defRPr/>
+            </a:pPr>
+            <a:r>
+              <a:rPr lang="en-US" dirty="0" smtClean="0"/>
+              <a:t>Frequency</a:t>
             </a:r>
             <a:r>
               <a:rPr lang="en-US" baseline="0" dirty="0" smtClean="0"/>
-              <a:t> alone is not enough to characterize tumor malignancy</a:t>
-            </a:r>
-            <a:endParaRPr lang="en-US" dirty="0" smtClean="0"/>
+              <a:t> changes may also be attributed to </a:t>
+            </a:r>
+            <a:r>
+              <a:rPr lang="en-US" baseline="0" dirty="0" err="1" smtClean="0"/>
+              <a:t>scatterer</a:t>
+            </a:r>
+            <a:r>
+              <a:rPr lang="en-US" baseline="0" dirty="0" smtClean="0"/>
+              <a:t> shape, elasticity, orientation</a:t>
+            </a:r>
+          </a:p>
+          <a:p>
+            <a:pPr marL="0" marR="0" lvl="1" indent="0" algn="l" defTabSz="457200" rtl="0" eaLnBrk="1" fontAlgn="auto" latinLnBrk="0" hangingPunct="1">
+              <a:lnSpc>
+                <a:spcPct val="100000"/>
+              </a:lnSpc>
+              <a:spcBef>
+                <a:spcPts val="0"/>
+              </a:spcBef>
+              <a:spcAft>
+                <a:spcPts val="0"/>
+              </a:spcAft>
+              <a:buClrTx/>
+              <a:buSzTx/>
+              <a:buFontTx/>
+              <a:buNone/>
+              <a:tabLst/>
+              <a:defRPr/>
+            </a:pPr>
+            <a:r>
+              <a:rPr lang="en-US" baseline="0" dirty="0" smtClean="0"/>
+              <a:t>Different tissues are modeled better by specific form factors</a:t>
+            </a:r>
+            <a:endParaRPr lang="en-US" dirty="0"/>
           </a:p>
         </p:txBody>
       </p:sp>
@@ -1042,7 +998,7 @@
           <a:p>
             <a:fld id="{FDCFF1E4-0441-2444-8BA5-9094282EA092}" type="slidenum">
               <a:rPr lang="en-US" smtClean="0"/>
-              <a:t>6</a:t>
+              <a:t>5</a:t>
             </a:fld>
             <a:endParaRPr lang="en-US"/>
           </a:p>
@@ -1051,7 +1007,7 @@
     </p:spTree>
     <p:extLst>
       <p:ext uri="{BB962C8B-B14F-4D97-AF65-F5344CB8AC3E}">
-        <p14:creationId xmlns:p14="http://schemas.microsoft.com/office/powerpoint/2010/main" val="3302821757"/>
+        <p14:creationId xmlns:p14="http://schemas.microsoft.com/office/powerpoint/2010/main" val="3313216338"/>
       </p:ext>
     </p:extLst>
   </p:cSld>
@@ -1105,6 +1061,135 @@
           <a:bodyPr/>
           <a:lstStyle/>
           <a:p>
+            <a:pPr marL="0" marR="0" lvl="1" indent="0" algn="l" defTabSz="457200" rtl="0" eaLnBrk="1" fontAlgn="auto" latinLnBrk="0" hangingPunct="1">
+              <a:lnSpc>
+                <a:spcPct val="100000"/>
+              </a:lnSpc>
+              <a:spcBef>
+                <a:spcPts val="0"/>
+              </a:spcBef>
+              <a:spcAft>
+                <a:spcPts val="0"/>
+              </a:spcAft>
+              <a:buClrTx/>
+              <a:buSzTx/>
+              <a:buFontTx/>
+              <a:buNone/>
+              <a:tabLst/>
+              <a:defRPr/>
+            </a:pPr>
+            <a:r>
+              <a:rPr lang="en-US" dirty="0" smtClean="0"/>
+              <a:t>How well different form factors fit provide insight into </a:t>
+            </a:r>
+            <a:r>
+              <a:rPr lang="en-US" dirty="0" err="1" smtClean="0"/>
+              <a:t>scatterer</a:t>
+            </a:r>
+            <a:r>
+              <a:rPr lang="en-US" dirty="0" smtClean="0"/>
+              <a:t> distribution in ROI</a:t>
+            </a:r>
+          </a:p>
+          <a:p>
+            <a:endParaRPr lang="en-US" dirty="0" smtClean="0"/>
+          </a:p>
+          <a:p>
+            <a:r>
+              <a:rPr lang="en-US" dirty="0" smtClean="0"/>
+              <a:t>Difficulty </a:t>
+            </a:r>
+            <a:r>
+              <a:rPr lang="en-US" dirty="0" err="1" smtClean="0"/>
+              <a:t>transfering</a:t>
+            </a:r>
+            <a:r>
+              <a:rPr lang="en-US" dirty="0" smtClean="0"/>
+              <a:t> </a:t>
+            </a:r>
+          </a:p>
+        </p:txBody>
+      </p:sp>
+      <p:sp>
+        <p:nvSpPr>
+          <p:cNvPr id="4" name="Slide Number Placeholder 3"/>
+          <p:cNvSpPr>
+            <a:spLocks noGrp="1"/>
+          </p:cNvSpPr>
+          <p:nvPr>
+            <p:ph type="sldNum" sz="quarter" idx="10"/>
+          </p:nvPr>
+        </p:nvSpPr>
+        <p:spPr/>
+        <p:txBody>
+          <a:bodyPr/>
+          <a:lstStyle/>
+          <a:p>
+            <a:fld id="{FDCFF1E4-0441-2444-8BA5-9094282EA092}" type="slidenum">
+              <a:rPr lang="en-US" smtClean="0"/>
+              <a:t>6</a:t>
+            </a:fld>
+            <a:endParaRPr lang="en-US"/>
+          </a:p>
+        </p:txBody>
+      </p:sp>
+    </p:spTree>
+    <p:extLst>
+      <p:ext uri="{BB962C8B-B14F-4D97-AF65-F5344CB8AC3E}">
+        <p14:creationId xmlns:p14="http://schemas.microsoft.com/office/powerpoint/2010/main" val="3302821757"/>
+      </p:ext>
+    </p:extLst>
+  </p:cSld>
+  <p:clrMapOvr>
+    <a:masterClrMapping/>
+  </p:clrMapOvr>
+</p:notes>
+</file>
+
+<file path=ppt/notesSlides/notesSlide6.xml><?xml version="1.0" encoding="utf-8"?>
+<p:notes xmlns:a="http://schemas.openxmlformats.org/drawingml/2006/main" xmlns:r="http://schemas.openxmlformats.org/officeDocument/2006/relationships" xmlns:p="http://schemas.openxmlformats.org/presentationml/2006/main">
+  <p:cSld>
+    <p:spTree>
+      <p:nvGrpSpPr>
+        <p:cNvPr id="1" name=""/>
+        <p:cNvGrpSpPr/>
+        <p:nvPr/>
+      </p:nvGrpSpPr>
+      <p:grpSpPr>
+        <a:xfrm>
+          <a:off x="0" y="0"/>
+          <a:ext cx="0" cy="0"/>
+          <a:chOff x="0" y="0"/>
+          <a:chExt cx="0" cy="0"/>
+        </a:xfrm>
+      </p:grpSpPr>
+      <p:sp>
+        <p:nvSpPr>
+          <p:cNvPr id="2" name="Slide Image Placeholder 1"/>
+          <p:cNvSpPr>
+            <a:spLocks noGrp="1" noRot="1" noChangeAspect="1"/>
+          </p:cNvSpPr>
+          <p:nvPr>
+            <p:ph type="sldImg"/>
+          </p:nvPr>
+        </p:nvSpPr>
+        <p:spPr/>
+      </p:sp>
+      <p:sp>
+        <p:nvSpPr>
+          <p:cNvPr id="3" name="Notes Placeholder 2"/>
+          <p:cNvSpPr>
+            <a:spLocks noGrp="1"/>
+          </p:cNvSpPr>
+          <p:nvPr>
+            <p:ph type="body" idx="1"/>
+          </p:nvPr>
+        </p:nvSpPr>
+        <p:spPr/>
+        <p:txBody>
+          <a:bodyPr/>
+          <a:lstStyle/>
+          <a:p>
             <a:r>
               <a:rPr lang="en-US" dirty="0" smtClean="0"/>
               <a:t>Thyroid: not a clinical </a:t>
@@ -1123,14 +1208,67 @@
             </a:r>
             <a:r>
               <a:rPr lang="en-US" baseline="0" dirty="0" smtClean="0"/>
-              <a:t> attenuation profiles, aberration, blood flow, clutter</a:t>
-            </a:r>
-          </a:p>
-          <a:p>
+              <a:t> attenuation profiles, aberration, blood flow, </a:t>
+            </a:r>
             <a:r>
               <a:rPr lang="en-US" baseline="0" dirty="0" smtClean="0"/>
-              <a:t>EAC = effective acoustic concentration</a:t>
-            </a:r>
+              <a:t>clutter</a:t>
+            </a:r>
+          </a:p>
+          <a:p>
+            <a:pPr marL="0" marR="0" indent="0" algn="l" defTabSz="457200" rtl="0" eaLnBrk="1" fontAlgn="auto" latinLnBrk="0" hangingPunct="1">
+              <a:lnSpc>
+                <a:spcPct val="100000"/>
+              </a:lnSpc>
+              <a:spcBef>
+                <a:spcPts val="0"/>
+              </a:spcBef>
+              <a:spcAft>
+                <a:spcPts val="0"/>
+              </a:spcAft>
+              <a:buClrTx/>
+              <a:buSzTx/>
+              <a:buFontTx/>
+              <a:buNone/>
+              <a:tabLst/>
+              <a:defRPr/>
+            </a:pPr>
+            <a:r>
+              <a:rPr lang="en-US" dirty="0" smtClean="0"/>
+              <a:t>ESD</a:t>
+            </a:r>
+            <a:r>
+              <a:rPr lang="en-US" baseline="0" dirty="0" smtClean="0"/>
+              <a:t> alone is not enough to characterize tumor malignancy</a:t>
+            </a:r>
+            <a:endParaRPr lang="en-US" baseline="0" dirty="0" smtClean="0"/>
+          </a:p>
+          <a:p>
+            <a:r>
+              <a:rPr lang="en-US" baseline="0" dirty="0" smtClean="0"/>
+              <a:t>EAC = effective acoustic </a:t>
+            </a:r>
+            <a:r>
+              <a:rPr lang="en-US" baseline="0" dirty="0" smtClean="0"/>
+              <a:t>concentration – product of </a:t>
+            </a:r>
+            <a:r>
+              <a:rPr lang="en-US" baseline="0" dirty="0" err="1" smtClean="0"/>
+              <a:t>scatterer</a:t>
+            </a:r>
+            <a:r>
+              <a:rPr lang="en-US" baseline="0" dirty="0" smtClean="0"/>
+              <a:t> concentration and relative impedance difference between </a:t>
+            </a:r>
+            <a:r>
+              <a:rPr lang="en-US" baseline="0" dirty="0" err="1" smtClean="0"/>
+              <a:t>scatterers</a:t>
+            </a:r>
+            <a:r>
+              <a:rPr lang="en-US" baseline="0" dirty="0" smtClean="0"/>
+              <a:t> and surrounding tissue</a:t>
+            </a:r>
+            <a:endParaRPr lang="en-US" baseline="0" dirty="0" smtClean="0"/>
           </a:p>
           <a:p>
             <a:r>
@@ -1181,7 +1319,99 @@
 </p:notes>
 </file>
 
-<file path=ppt/notesSlides/notesSlide6.xml><?xml version="1.0" encoding="utf-8"?>
+<file path=ppt/notesSlides/notesSlide7.xml><?xml version="1.0" encoding="utf-8"?>
+<p:notes xmlns:a="http://schemas.openxmlformats.org/drawingml/2006/main" xmlns:r="http://schemas.openxmlformats.org/officeDocument/2006/relationships" xmlns:p="http://schemas.openxmlformats.org/presentationml/2006/main">
+  <p:cSld>
+    <p:spTree>
+      <p:nvGrpSpPr>
+        <p:cNvPr id="1" name=""/>
+        <p:cNvGrpSpPr/>
+        <p:nvPr/>
+      </p:nvGrpSpPr>
+      <p:grpSpPr>
+        <a:xfrm>
+          <a:off x="0" y="0"/>
+          <a:ext cx="0" cy="0"/>
+          <a:chOff x="0" y="0"/>
+          <a:chExt cx="0" cy="0"/>
+        </a:xfrm>
+      </p:grpSpPr>
+      <p:sp>
+        <p:nvSpPr>
+          <p:cNvPr id="2" name="Slide Image Placeholder 1"/>
+          <p:cNvSpPr>
+            <a:spLocks noGrp="1" noRot="1" noChangeAspect="1"/>
+          </p:cNvSpPr>
+          <p:nvPr>
+            <p:ph type="sldImg"/>
+          </p:nvPr>
+        </p:nvSpPr>
+        <p:spPr/>
+      </p:sp>
+      <p:sp>
+        <p:nvSpPr>
+          <p:cNvPr id="3" name="Notes Placeholder 2"/>
+          <p:cNvSpPr>
+            <a:spLocks noGrp="1"/>
+          </p:cNvSpPr>
+          <p:nvPr>
+            <p:ph type="body" idx="1"/>
+          </p:nvPr>
+        </p:nvSpPr>
+        <p:spPr/>
+        <p:txBody>
+          <a:bodyPr/>
+          <a:lstStyle/>
+          <a:p>
+            <a:r>
+              <a:rPr lang="en-US" dirty="0" smtClean="0"/>
+              <a:t>Different behavior with different</a:t>
+            </a:r>
+            <a:r>
+              <a:rPr lang="en-US" baseline="0" dirty="0" smtClean="0"/>
+              <a:t> exposures indicates possible sensitivity with effects e.g. mechanical cavitation/ boiling, or temperature effects</a:t>
+            </a:r>
+            <a:endParaRPr lang="en-US" dirty="0"/>
+          </a:p>
+        </p:txBody>
+      </p:sp>
+      <p:sp>
+        <p:nvSpPr>
+          <p:cNvPr id="4" name="Slide Number Placeholder 3"/>
+          <p:cNvSpPr>
+            <a:spLocks noGrp="1"/>
+          </p:cNvSpPr>
+          <p:nvPr>
+            <p:ph type="sldNum" sz="quarter" idx="10"/>
+          </p:nvPr>
+        </p:nvSpPr>
+        <p:spPr/>
+        <p:txBody>
+          <a:bodyPr/>
+          <a:lstStyle/>
+          <a:p>
+            <a:fld id="{FDCFF1E4-0441-2444-8BA5-9094282EA092}" type="slidenum">
+              <a:rPr lang="en-US" smtClean="0"/>
+              <a:t>8</a:t>
+            </a:fld>
+            <a:endParaRPr lang="en-US"/>
+          </a:p>
+        </p:txBody>
+      </p:sp>
+    </p:spTree>
+    <p:extLst>
+      <p:ext uri="{BB962C8B-B14F-4D97-AF65-F5344CB8AC3E}">
+        <p14:creationId xmlns:p14="http://schemas.microsoft.com/office/powerpoint/2010/main" val="3157470727"/>
+      </p:ext>
+    </p:extLst>
+  </p:cSld>
+  <p:clrMapOvr>
+    <a:masterClrMapping/>
+  </p:clrMapOvr>
+</p:notes>
+</file>
+
+<file path=ppt/notesSlides/notesSlide8.xml><?xml version="1.0" encoding="utf-8"?>
 <p:notes xmlns:a="http://schemas.openxmlformats.org/drawingml/2006/main" xmlns:r="http://schemas.openxmlformats.org/officeDocument/2006/relationships" xmlns:p="http://schemas.openxmlformats.org/presentationml/2006/main">
   <p:cSld>
     <p:spTree>
@@ -1454,7 +1684,7 @@
           <a:p>
             <a:fld id="{541419F6-F714-C64D-9EC2-51758944E004}" type="datetimeFigureOut">
               <a:rPr lang="en-US" smtClean="0"/>
-              <a:t>2/24/15</a:t>
+              <a:t>3/4/15</a:t>
             </a:fld>
             <a:endParaRPr lang="en-US"/>
           </a:p>
@@ -1624,7 +1854,7 @@
           <a:p>
             <a:fld id="{541419F6-F714-C64D-9EC2-51758944E004}" type="datetimeFigureOut">
               <a:rPr lang="en-US" smtClean="0"/>
-              <a:t>2/24/15</a:t>
+              <a:t>3/4/15</a:t>
             </a:fld>
             <a:endParaRPr lang="en-US"/>
           </a:p>
@@ -1804,7 +2034,7 @@
           <a:p>
             <a:fld id="{541419F6-F714-C64D-9EC2-51758944E004}" type="datetimeFigureOut">
               <a:rPr lang="en-US" smtClean="0"/>
-              <a:t>2/24/15</a:t>
+              <a:t>3/4/15</a:t>
             </a:fld>
             <a:endParaRPr lang="en-US"/>
           </a:p>
@@ -1974,7 +2204,7 @@
           <a:p>
             <a:fld id="{541419F6-F714-C64D-9EC2-51758944E004}" type="datetimeFigureOut">
               <a:rPr lang="en-US" smtClean="0"/>
-              <a:t>2/24/15</a:t>
+              <a:t>3/4/15</a:t>
             </a:fld>
             <a:endParaRPr lang="en-US"/>
           </a:p>
@@ -2220,7 +2450,7 @@
           <a:p>
             <a:fld id="{541419F6-F714-C64D-9EC2-51758944E004}" type="datetimeFigureOut">
               <a:rPr lang="en-US" smtClean="0"/>
-              <a:t>2/24/15</a:t>
+              <a:t>3/4/15</a:t>
             </a:fld>
             <a:endParaRPr lang="en-US"/>
           </a:p>
@@ -2508,7 +2738,7 @@
           <a:p>
             <a:fld id="{541419F6-F714-C64D-9EC2-51758944E004}" type="datetimeFigureOut">
               <a:rPr lang="en-US" smtClean="0"/>
-              <a:t>2/24/15</a:t>
+              <a:t>3/4/15</a:t>
             </a:fld>
             <a:endParaRPr lang="en-US"/>
           </a:p>
@@ -2930,7 +3160,7 @@
           <a:p>
             <a:fld id="{541419F6-F714-C64D-9EC2-51758944E004}" type="datetimeFigureOut">
               <a:rPr lang="en-US" smtClean="0"/>
-              <a:t>2/24/15</a:t>
+              <a:t>3/4/15</a:t>
             </a:fld>
             <a:endParaRPr lang="en-US"/>
           </a:p>
@@ -3048,7 +3278,7 @@
           <a:p>
             <a:fld id="{541419F6-F714-C64D-9EC2-51758944E004}" type="datetimeFigureOut">
               <a:rPr lang="en-US" smtClean="0"/>
-              <a:t>2/24/15</a:t>
+              <a:t>3/4/15</a:t>
             </a:fld>
             <a:endParaRPr lang="en-US"/>
           </a:p>
@@ -3143,7 +3373,7 @@
           <a:p>
             <a:fld id="{541419F6-F714-C64D-9EC2-51758944E004}" type="datetimeFigureOut">
               <a:rPr lang="en-US" smtClean="0"/>
-              <a:t>2/24/15</a:t>
+              <a:t>3/4/15</a:t>
             </a:fld>
             <a:endParaRPr lang="en-US"/>
           </a:p>
@@ -3420,7 +3650,7 @@
           <a:p>
             <a:fld id="{541419F6-F714-C64D-9EC2-51758944E004}" type="datetimeFigureOut">
               <a:rPr lang="en-US" smtClean="0"/>
-              <a:t>2/24/15</a:t>
+              <a:t>3/4/15</a:t>
             </a:fld>
             <a:endParaRPr lang="en-US"/>
           </a:p>
@@ -3673,7 +3903,7 @@
           <a:p>
             <a:fld id="{541419F6-F714-C64D-9EC2-51758944E004}" type="datetimeFigureOut">
               <a:rPr lang="en-US" smtClean="0"/>
-              <a:t>2/24/15</a:t>
+              <a:t>3/4/15</a:t>
             </a:fld>
             <a:endParaRPr lang="en-US"/>
           </a:p>
@@ -3886,7 +4116,7 @@
           <a:p>
             <a:fld id="{541419F6-F714-C64D-9EC2-51758944E004}" type="datetimeFigureOut">
               <a:rPr lang="en-US" smtClean="0"/>
-              <a:t>2/24/15</a:t>
+              <a:t>3/4/15</a:t>
             </a:fld>
             <a:endParaRPr lang="en-US"/>
           </a:p>
@@ -4429,7 +4659,15 @@
             </a:r>
             <a:r>
               <a:rPr lang="en-US" dirty="0" smtClean="0"/>
-              <a:t>, interface with f</a:t>
+              <a:t>, </a:t>
+            </a:r>
+            <a:r>
+              <a:rPr lang="en-US" dirty="0" smtClean="0"/>
+              <a:t>interface </a:t>
+            </a:r>
+            <a:r>
+              <a:rPr lang="en-US" dirty="0" smtClean="0"/>
+              <a:t>with f</a:t>
             </a:r>
             <a:r>
               <a:rPr lang="en-US" baseline="30000" dirty="0" smtClean="0"/>
@@ -4460,12 +4698,17 @@
             </a:r>
             <a:r>
               <a:rPr lang="en-US" dirty="0" smtClean="0"/>
-              <a:t> with frequency dependence of f</a:t>
+              <a:t> with frequency dependence of </a:t>
+            </a:r>
+            <a:r>
+              <a:rPr lang="en-US" dirty="0" smtClean="0"/>
+              <a:t>f</a:t>
             </a:r>
             <a:r>
               <a:rPr lang="en-US" baseline="30000" dirty="0" smtClean="0"/>
               <a:t>4</a:t>
             </a:r>
+            <a:endParaRPr lang="en-US" baseline="30000" dirty="0" smtClean="0"/>
           </a:p>
           <a:p>
             <a:r>
@@ -4482,15 +4725,7 @@
             </a:r>
             <a:r>
               <a:rPr lang="en-US" dirty="0" smtClean="0"/>
-              <a:t> can be inferred from the </a:t>
-            </a:r>
-            <a:r>
-              <a:rPr lang="en-US" dirty="0" smtClean="0"/>
-              <a:t>power </a:t>
-            </a:r>
-            <a:r>
-              <a:rPr lang="en-US" dirty="0" smtClean="0"/>
-              <a:t>spectra of backscattered echoes</a:t>
+              <a:t> can be inferred from the power spectra of backscattered echoes</a:t>
             </a:r>
           </a:p>
           <a:p>
@@ -4635,15 +4870,7 @@
           <a:p>
             <a:r>
               <a:rPr lang="en-US" dirty="0" smtClean="0"/>
-              <a:t>Normalized power spectral density of </a:t>
-            </a:r>
-            <a:r>
-              <a:rPr lang="en-US" dirty="0" smtClean="0"/>
-              <a:t>windowed </a:t>
-            </a:r>
-            <a:r>
-              <a:rPr lang="en-US" dirty="0" smtClean="0"/>
-              <a:t>echo signal (over -6 or -12 dB bandwidth)</a:t>
+              <a:t>Normalized power spectral density of windowed echo signal (over -6 or -12 dB bandwidth)</a:t>
             </a:r>
           </a:p>
           <a:p>
@@ -4656,22 +4883,14 @@
             <a:pPr lvl="1"/>
             <a:r>
               <a:rPr lang="en-US" dirty="0" smtClean="0"/>
-              <a:t>A</a:t>
-            </a:r>
-            <a:r>
-              <a:rPr lang="en-US" dirty="0" smtClean="0"/>
-              <a:t>rea of transducer aperture</a:t>
+              <a:t>Area of transducer aperture</a:t>
             </a:r>
           </a:p>
           <a:p>
             <a:pPr lvl="1"/>
             <a:r>
               <a:rPr lang="en-US" dirty="0" smtClean="0"/>
-              <a:t>D</a:t>
-            </a:r>
-            <a:r>
-              <a:rPr lang="en-US" dirty="0" smtClean="0"/>
-              <a:t>istance to gated volume</a:t>
+              <a:t>Distance to gated volume</a:t>
             </a:r>
           </a:p>
           <a:p>
@@ -4684,11 +4903,7 @@
           <a:p>
             <a:r>
               <a:rPr lang="en-US" dirty="0" smtClean="0"/>
-              <a:t>Normalization</a:t>
-            </a:r>
-            <a:r>
-              <a:rPr lang="en-US" dirty="0" smtClean="0"/>
-              <a:t> by f</a:t>
+              <a:t>Normalization by f</a:t>
             </a:r>
             <a:r>
               <a:rPr lang="en-US" baseline="30000" dirty="0" smtClean="0"/>
@@ -4727,12 +4942,20 @@
               <a:buChar char="•"/>
             </a:pPr>
             <a:r>
-              <a:rPr lang="en-US" sz="3200" dirty="0"/>
-              <a:t>D</a:t>
-            </a:r>
-            <a:r>
               <a:rPr lang="en-US" sz="3200" dirty="0" smtClean="0"/>
-              <a:t>eviation in frequency dependence is thus attributed to the </a:t>
+              <a:t>Frequency </a:t>
+            </a:r>
+            <a:r>
+              <a:rPr lang="en-US" sz="3200" dirty="0" smtClean="0"/>
+              <a:t>dependence is thus </a:t>
+            </a:r>
+            <a:r>
+              <a:rPr lang="en-US" sz="3200" dirty="0" smtClean="0"/>
+              <a:t>directly attributed </a:t>
+            </a:r>
+            <a:r>
+              <a:rPr lang="en-US" sz="3200" dirty="0" smtClean="0"/>
+              <a:t>to the </a:t>
             </a:r>
             <a:r>
               <a:rPr lang="en-US" sz="3200" dirty="0" err="1" smtClean="0"/>
@@ -4807,7 +5030,6 @@
               <a:rPr lang="en-US" sz="1400" dirty="0" smtClean="0"/>
               <a:t>, Ferroelectrics, and Frequency Control, IEEE Transactions on 34.3 (1987): 319-329.</a:t>
             </a:r>
-            <a:endParaRPr lang="en-US" sz="1400" dirty="0" smtClean="0"/>
           </a:p>
         </p:txBody>
       </p:sp>
@@ -4936,16 +5158,21 @@
             </a:r>
             <a:r>
               <a:rPr lang="en-US" dirty="0" smtClean="0"/>
-              <a:t> theory, spherical shell, FFSM, </a:t>
-            </a:r>
-            <a:r>
-              <a:rPr lang="en-US" dirty="0"/>
-              <a:t>G</a:t>
-            </a:r>
-            <a:r>
-              <a:rPr lang="en-US" dirty="0" smtClean="0"/>
-              <a:t>aussian models </a:t>
-            </a:r>
+              <a:t> theory, </a:t>
+            </a:r>
+            <a:r>
+              <a:rPr lang="en-US" dirty="0" smtClean="0"/>
+              <a:t>FFSM</a:t>
+            </a:r>
+            <a:r>
+              <a:rPr lang="en-US" dirty="0" smtClean="0"/>
+              <a:t>, </a:t>
+            </a:r>
+            <a:r>
+              <a:rPr lang="en-US" dirty="0" smtClean="0"/>
+              <a:t>Gaussian models </a:t>
+            </a:r>
+            <a:endParaRPr lang="en-US" dirty="0" smtClean="0"/>
           </a:p>
           <a:p>
             <a:pPr lvl="1"/>
@@ -4959,8 +5186,28 @@
             </a:r>
             <a:r>
               <a:rPr lang="en-US" dirty="0" smtClean="0"/>
-              <a:t> size</a:t>
-            </a:r>
+              <a:t> </a:t>
+            </a:r>
+            <a:r>
+              <a:rPr lang="en-US" dirty="0" smtClean="0"/>
+              <a:t>size</a:t>
+            </a:r>
+          </a:p>
+          <a:p>
+            <a:pPr lvl="1"/>
+            <a:r>
+              <a:rPr lang="en-US" dirty="0"/>
+              <a:t>LUT often used to final generate image </a:t>
+            </a:r>
+            <a:r>
+              <a:rPr lang="en-US" baseline="30000" dirty="0"/>
+              <a:t>[2</a:t>
+            </a:r>
+            <a:r>
+              <a:rPr lang="en-US" baseline="30000" dirty="0" smtClean="0"/>
+              <a:t>]</a:t>
+            </a:r>
+            <a:endParaRPr lang="en-US" dirty="0" smtClean="0"/>
           </a:p>
           <a:p>
             <a:pPr marL="457200" lvl="1" indent="0">
@@ -4982,8 +5229,13 @@
             </a:r>
             <a:r>
               <a:rPr lang="en-US" dirty="0" smtClean="0"/>
-              <a:t>         </a:t>
-            </a:r>
+              <a:t>  </a:t>
+            </a:r>
+            <a:r>
+              <a:rPr lang="en-US" dirty="0" smtClean="0"/>
+              <a:t>       </a:t>
+            </a:r>
+            <a:endParaRPr lang="en-US" dirty="0" smtClean="0"/>
           </a:p>
           <a:p>
             <a:r>
@@ -5001,17 +5253,6 @@
               <a:rPr lang="en-US" dirty="0" smtClean="0"/>
               <a:t>Slope and intercept of best-fit line of power spectrum </a:t>
             </a:r>
-          </a:p>
-          <a:p>
-            <a:r>
-              <a:rPr lang="en-US" dirty="0" smtClean="0"/>
-              <a:t>LUT often used to final generate image </a:t>
-            </a:r>
-            <a:r>
-              <a:rPr lang="en-US" baseline="30000" dirty="0" smtClean="0"/>
-              <a:t>[2]</a:t>
-            </a:r>
-            <a:endParaRPr lang="en-US" dirty="0"/>
           </a:p>
         </p:txBody>
       </p:sp>
@@ -5031,7 +5272,7 @@
         </p:blipFill>
         <p:spPr>
           <a:xfrm>
-            <a:off x="2655380" y="3825758"/>
+            <a:off x="2655380" y="4177411"/>
             <a:ext cx="3482227" cy="703307"/>
           </a:xfrm>
           <a:prstGeom prst="rect">
@@ -5209,12 +5450,28 @@
             <a:pPr lvl="1"/>
             <a:r>
               <a:rPr lang="en-US" dirty="0" smtClean="0"/>
-              <a:t>Tissue homogeneity</a:t>
+              <a:t>Tissue </a:t>
+            </a:r>
+            <a:r>
+              <a:rPr lang="en-US" dirty="0" smtClean="0"/>
+              <a:t>homogeneity</a:t>
             </a:r>
           </a:p>
           <a:p>
             <a:pPr lvl="1"/>
             <a:r>
+              <a:rPr lang="en-US" dirty="0" err="1"/>
+              <a:t>Scatterers</a:t>
+            </a:r>
+            <a:r>
+              <a:rPr lang="en-US" dirty="0"/>
+              <a:t> within ROI are of single size </a:t>
+            </a:r>
+            <a:endParaRPr lang="en-US" dirty="0" smtClean="0"/>
+          </a:p>
+          <a:p>
+            <a:pPr lvl="1"/>
+            <a:r>
               <a:rPr lang="en-US" dirty="0" smtClean="0"/>
               <a:t>Backscatter echoes generated from a stationary process</a:t>
             </a:r>
@@ -5223,32 +5480,21 @@
             <a:pPr lvl="1"/>
             <a:r>
               <a:rPr lang="en-US" dirty="0" smtClean="0"/>
-              <a:t>Behavior with frequency solely dependent on size </a:t>
-            </a:r>
-          </a:p>
-          <a:p>
-            <a:pPr lvl="1"/>
-            <a:r>
-              <a:rPr lang="en-US" dirty="0" err="1" smtClean="0"/>
-              <a:t>S</a:t>
-            </a:r>
-            <a:r>
-              <a:rPr lang="en-US" dirty="0" err="1" smtClean="0"/>
-              <a:t>catterers</a:t>
-            </a:r>
-            <a:r>
-              <a:rPr lang="en-US" dirty="0" smtClean="0"/>
-              <a:t> within ROI are of single size </a:t>
-            </a:r>
-          </a:p>
-          <a:p>
-            <a:r>
-              <a:rPr lang="en-US" dirty="0"/>
-              <a:t>S</a:t>
-            </a:r>
-            <a:r>
-              <a:rPr lang="en-US" dirty="0" smtClean="0"/>
-              <a:t>ize estimates are dependent on frequency band</a:t>
+              <a:t>Frequency behavior </a:t>
+            </a:r>
+            <a:r>
+              <a:rPr lang="en-US" dirty="0" smtClean="0"/>
+              <a:t>solely dependent on size </a:t>
+            </a:r>
+          </a:p>
+          <a:p>
+            <a:r>
+              <a:rPr lang="en-US" dirty="0" smtClean="0"/>
+              <a:t>Size </a:t>
+            </a:r>
+            <a:r>
+              <a:rPr lang="en-US" dirty="0" smtClean="0"/>
+              <a:t>estimates are dependent on frequency band</a:t>
             </a:r>
           </a:p>
           <a:p>
@@ -5294,7 +5540,11 @@
           <a:p>
             <a:r>
               <a:rPr lang="en-US" dirty="0" smtClean="0"/>
-              <a:t>Highly dependent on model selection</a:t>
+              <a:t>Highly dependent on </a:t>
+            </a:r>
+            <a:r>
+              <a:rPr lang="en-US" dirty="0" smtClean="0"/>
+              <a:t>model</a:t>
             </a:r>
             <a:endParaRPr lang="en-US" dirty="0" smtClean="0"/>
           </a:p>
@@ -5717,22 +5967,18 @@
             <a:pPr lvl="1"/>
             <a:r>
               <a:rPr lang="en-US" dirty="0" smtClean="0"/>
-              <a:t>I</a:t>
-            </a:r>
-            <a:r>
-              <a:rPr lang="en-US" dirty="0" smtClean="0"/>
-              <a:t>n conjunction </a:t>
-            </a:r>
-            <a:r>
-              <a:rPr lang="en-US" dirty="0" smtClean="0"/>
-              <a:t>with EAC and SAS, provides high sensitivity and specificity in tumor identification</a:t>
+              <a:t>In conjunction with EAC and SAS, provides high sensitivity and specificity in tumor identification</a:t>
             </a:r>
           </a:p>
           <a:p>
             <a:pPr lvl="1"/>
             <a:r>
               <a:rPr lang="en-US" dirty="0" smtClean="0"/>
-              <a:t>Tissue attenuation and patient to</a:t>
+              <a:t>Tissue attenuation </a:t>
+            </a:r>
+            <a:r>
+              <a:rPr lang="en-US" dirty="0" smtClean="0"/>
+              <a:t>and patient to</a:t>
             </a:r>
             <a:r>
               <a:rPr lang="en-US" dirty="0"/>
@@ -5848,11 +6094,7 @@
           <a:p>
             <a:r>
               <a:rPr lang="en-US" sz="1400" dirty="0" smtClean="0"/>
-              <a:t>[8]</a:t>
-            </a:r>
-            <a:r>
-              <a:rPr lang="en-US" sz="1400" dirty="0" smtClean="0"/>
-              <a:t> </a:t>
+              <a:t>[8] </a:t>
             </a:r>
             <a:r>
               <a:rPr lang="en-US" sz="1400" dirty="0" err="1" smtClean="0"/>
@@ -5892,6 +6134,13 @@
   <p:clrMapOvr>
     <a:masterClrMapping/>
   </p:clrMapOvr>
+  <p:timing>
+    <p:tnLst>
+      <p:par>
+        <p:cTn xmlns:p14="http://schemas.microsoft.com/office/powerpoint/2010/main" id="1" dur="indefinite" restart="never" nodeType="tmRoot"/>
+      </p:par>
+    </p:tnLst>
+  </p:timing>
 </p:sld>
 </file>
 
@@ -6053,6 +6302,13 @@
   <p:clrMapOvr>
     <a:masterClrMapping/>
   </p:clrMapOvr>
+  <p:timing>
+    <p:tnLst>
+      <p:par>
+        <p:cTn xmlns:p14="http://schemas.microsoft.com/office/powerpoint/2010/main" id="1" dur="indefinite" restart="never" nodeType="tmRoot"/>
+      </p:par>
+    </p:tnLst>
+  </p:timing>
 </p:sld>
 </file>
 
@@ -6109,7 +6365,7 @@
         <p:spPr/>
         <p:txBody>
           <a:bodyPr>
-            <a:normAutofit fontScale="92500" lnSpcReduction="10000"/>
+            <a:normAutofit lnSpcReduction="10000"/>
           </a:bodyPr>
           <a:lstStyle/>
           <a:p>
@@ -6122,12 +6378,12 @@
               <a:t>requency dependence of </a:t>
             </a:r>
             <a:r>
-              <a:rPr lang="en-US" dirty="0" err="1" smtClean="0"/>
-              <a:t>backscatterer</a:t>
-            </a:r>
-            <a:r>
-              <a:rPr lang="en-US" dirty="0" smtClean="0"/>
-              <a:t> with varying </a:t>
+              <a:rPr lang="en-US" dirty="0" smtClean="0"/>
+              <a:t>backscatter </a:t>
+            </a:r>
+            <a:r>
+              <a:rPr lang="en-US" dirty="0" smtClean="0"/>
+              <a:t>with varying </a:t>
             </a:r>
             <a:r>
               <a:rPr lang="en-US" dirty="0" err="1" smtClean="0"/>
@@ -6163,7 +6419,15 @@
           <a:p>
             <a:r>
               <a:rPr lang="en-US" dirty="0" smtClean="0"/>
-              <a:t>Current work on tumor characterization, performance of form factor models, HIFU monitoring</a:t>
+              <a:t>Current work on tumor characterization, </a:t>
+            </a:r>
+            <a:r>
+              <a:rPr lang="en-US" dirty="0" smtClean="0"/>
+              <a:t>model performance, </a:t>
+            </a:r>
+            <a:r>
+              <a:rPr lang="en-US" dirty="0" smtClean="0"/>
+              <a:t>HIFU monitoring</a:t>
             </a:r>
           </a:p>
           <a:p>
@@ -6198,6 +6462,13 @@
   <p:clrMapOvr>
     <a:masterClrMapping/>
   </p:clrMapOvr>
+  <p:timing>
+    <p:tnLst>
+      <p:par>
+        <p:cTn xmlns:p14="http://schemas.microsoft.com/office/powerpoint/2010/main" id="1" dur="indefinite" restart="never" nodeType="tmRoot"/>
+      </p:par>
+    </p:tnLst>
+  </p:timing>
 </p:sld>
 </file>
 
